--- a/folien_dehbia_draft_version.pptx
+++ b/folien_dehbia_draft_version.pptx
@@ -1811,6 +1811,29 @@
       </pc:sldChg>
     </pc:docChg>
   </pc:docChgLst>
+  <pc:docChgLst>
+    <pc:chgData name="Dehbia Kouadria" userId="24cf8942edd75162" providerId="LiveId" clId="{17BADB32-C636-4716-B80D-93C22C39D57A}"/>
+    <pc:docChg chg="modSld">
+      <pc:chgData name="Dehbia Kouadria" userId="24cf8942edd75162" providerId="LiveId" clId="{17BADB32-C636-4716-B80D-93C22C39D57A}" dt="2023-04-12T15:32:33.869" v="4" actId="20577"/>
+      <pc:docMkLst>
+        <pc:docMk/>
+      </pc:docMkLst>
+      <pc:sldChg chg="modNotesTx">
+        <pc:chgData name="Dehbia Kouadria" userId="24cf8942edd75162" providerId="LiveId" clId="{17BADB32-C636-4716-B80D-93C22C39D57A}" dt="2023-04-12T15:32:09.576" v="3" actId="20577"/>
+        <pc:sldMkLst>
+          <pc:docMk/>
+          <pc:sldMk cId="0" sldId="405"/>
+        </pc:sldMkLst>
+      </pc:sldChg>
+      <pc:sldChg chg="modNotesTx">
+        <pc:chgData name="Dehbia Kouadria" userId="24cf8942edd75162" providerId="LiveId" clId="{17BADB32-C636-4716-B80D-93C22C39D57A}" dt="2023-04-12T15:32:33.869" v="4" actId="20577"/>
+        <pc:sldMkLst>
+          <pc:docMk/>
+          <pc:sldMk cId="2713950766" sldId="424"/>
+        </pc:sldMkLst>
+      </pc:sldChg>
+    </pc:docChg>
+  </pc:docChgLst>
 </pc:chgInfo>
 </file>
 
@@ -1864,14 +1887,14 @@
           <a:effectLst/>
           <a:extLst>
             <a:ext uri="{909E8E84-426E-40dd-AFC4-6F175D3DCCD1}">
-              <a14:hiddenFill xmlns="" xmlns:a14="http://schemas.microsoft.com/office/drawing/2010/main">
+              <a14:hiddenFill xmlns:a14="http://schemas.microsoft.com/office/drawing/2010/main" xmlns="">
                 <a:solidFill>
                   <a:schemeClr val="accent1"/>
                 </a:solidFill>
               </a14:hiddenFill>
             </a:ext>
             <a:ext uri="{91240B29-F687-4f45-9708-019B960494DF}">
-              <a14:hiddenLine xmlns="" xmlns:a14="http://schemas.microsoft.com/office/drawing/2010/main" w="9525">
+              <a14:hiddenLine xmlns:a14="http://schemas.microsoft.com/office/drawing/2010/main" xmlns="" w="9525">
                 <a:solidFill>
                   <a:schemeClr val="tx1"/>
                 </a:solidFill>
@@ -1881,7 +1904,7 @@
               </a14:hiddenLine>
             </a:ext>
             <a:ext uri="{AF507438-7753-43e0-B8FC-AC1667EBCBE1}">
-              <a14:hiddenEffects xmlns="" xmlns:a14="http://schemas.microsoft.com/office/drawing/2010/main">
+              <a14:hiddenEffects xmlns:a14="http://schemas.microsoft.com/office/drawing/2010/main" xmlns="">
                 <a:effectLst>
                   <a:outerShdw blurRad="63500" dist="38099" dir="2700000" algn="ctr" rotWithShape="0">
                     <a:schemeClr val="bg2">
@@ -1892,7 +1915,7 @@
               </a14:hiddenEffects>
             </a:ext>
             <a:ext uri="{FAA26D3D-D897-4be2-8F04-BA451C77F1D7}">
-              <ma14:placeholderFlag xmlns="" xmlns:ma14="http://schemas.microsoft.com/office/mac/drawingml/2011/main" val="1"/>
+              <ma14:placeholderFlag xmlns:ma14="http://schemas.microsoft.com/office/mac/drawingml/2011/main" xmlns="" val="1"/>
             </a:ext>
           </a:extLst>
         </p:spPr>
@@ -1942,14 +1965,14 @@
           <a:effectLst/>
           <a:extLst>
             <a:ext uri="{909E8E84-426E-40dd-AFC4-6F175D3DCCD1}">
-              <a14:hiddenFill xmlns="" xmlns:a14="http://schemas.microsoft.com/office/drawing/2010/main">
+              <a14:hiddenFill xmlns:a14="http://schemas.microsoft.com/office/drawing/2010/main" xmlns="">
                 <a:solidFill>
                   <a:schemeClr val="accent1"/>
                 </a:solidFill>
               </a14:hiddenFill>
             </a:ext>
             <a:ext uri="{91240B29-F687-4f45-9708-019B960494DF}">
-              <a14:hiddenLine xmlns="" xmlns:a14="http://schemas.microsoft.com/office/drawing/2010/main" w="9525">
+              <a14:hiddenLine xmlns:a14="http://schemas.microsoft.com/office/drawing/2010/main" xmlns="" w="9525">
                 <a:solidFill>
                   <a:schemeClr val="tx1"/>
                 </a:solidFill>
@@ -1959,7 +1982,7 @@
               </a14:hiddenLine>
             </a:ext>
             <a:ext uri="{AF507438-7753-43e0-B8FC-AC1667EBCBE1}">
-              <a14:hiddenEffects xmlns="" xmlns:a14="http://schemas.microsoft.com/office/drawing/2010/main">
+              <a14:hiddenEffects xmlns:a14="http://schemas.microsoft.com/office/drawing/2010/main" xmlns="">
                 <a:effectLst>
                   <a:outerShdw blurRad="63500" dist="38099" dir="2700000" algn="ctr" rotWithShape="0">
                     <a:schemeClr val="bg2">
@@ -1970,7 +1993,7 @@
               </a14:hiddenEffects>
             </a:ext>
             <a:ext uri="{FAA26D3D-D897-4be2-8F04-BA451C77F1D7}">
-              <ma14:placeholderFlag xmlns="" xmlns:ma14="http://schemas.microsoft.com/office/mac/drawingml/2011/main" val="1"/>
+              <ma14:placeholderFlag xmlns:ma14="http://schemas.microsoft.com/office/mac/drawingml/2011/main" xmlns="" val="1"/>
             </a:ext>
           </a:extLst>
         </p:spPr>
@@ -2020,14 +2043,14 @@
           <a:effectLst/>
           <a:extLst>
             <a:ext uri="{909E8E84-426E-40dd-AFC4-6F175D3DCCD1}">
-              <a14:hiddenFill xmlns="" xmlns:a14="http://schemas.microsoft.com/office/drawing/2010/main">
+              <a14:hiddenFill xmlns:a14="http://schemas.microsoft.com/office/drawing/2010/main" xmlns="">
                 <a:solidFill>
                   <a:schemeClr val="accent1"/>
                 </a:solidFill>
               </a14:hiddenFill>
             </a:ext>
             <a:ext uri="{91240B29-F687-4f45-9708-019B960494DF}">
-              <a14:hiddenLine xmlns="" xmlns:a14="http://schemas.microsoft.com/office/drawing/2010/main" w="9525">
+              <a14:hiddenLine xmlns:a14="http://schemas.microsoft.com/office/drawing/2010/main" xmlns="" w="9525">
                 <a:solidFill>
                   <a:schemeClr val="tx1"/>
                 </a:solidFill>
@@ -2037,7 +2060,7 @@
               </a14:hiddenLine>
             </a:ext>
             <a:ext uri="{AF507438-7753-43e0-B8FC-AC1667EBCBE1}">
-              <a14:hiddenEffects xmlns="" xmlns:a14="http://schemas.microsoft.com/office/drawing/2010/main">
+              <a14:hiddenEffects xmlns:a14="http://schemas.microsoft.com/office/drawing/2010/main" xmlns="">
                 <a:effectLst>
                   <a:outerShdw blurRad="63500" dist="38099" dir="2700000" algn="ctr" rotWithShape="0">
                     <a:schemeClr val="bg2">
@@ -2048,7 +2071,7 @@
               </a14:hiddenEffects>
             </a:ext>
             <a:ext uri="{FAA26D3D-D897-4be2-8F04-BA451C77F1D7}">
-              <ma14:placeholderFlag xmlns="" xmlns:ma14="http://schemas.microsoft.com/office/mac/drawingml/2011/main" val="1"/>
+              <ma14:placeholderFlag xmlns:ma14="http://schemas.microsoft.com/office/mac/drawingml/2011/main" xmlns="" val="1"/>
             </a:ext>
           </a:extLst>
         </p:spPr>
@@ -2098,14 +2121,14 @@
           <a:effectLst/>
           <a:extLst>
             <a:ext uri="{909E8E84-426E-40dd-AFC4-6F175D3DCCD1}">
-              <a14:hiddenFill xmlns="" xmlns:a14="http://schemas.microsoft.com/office/drawing/2010/main">
+              <a14:hiddenFill xmlns:a14="http://schemas.microsoft.com/office/drawing/2010/main" xmlns="">
                 <a:solidFill>
                   <a:schemeClr val="accent1"/>
                 </a:solidFill>
               </a14:hiddenFill>
             </a:ext>
             <a:ext uri="{91240B29-F687-4f45-9708-019B960494DF}">
-              <a14:hiddenLine xmlns="" xmlns:a14="http://schemas.microsoft.com/office/drawing/2010/main" w="9525">
+              <a14:hiddenLine xmlns:a14="http://schemas.microsoft.com/office/drawing/2010/main" xmlns="" w="9525">
                 <a:solidFill>
                   <a:schemeClr val="tx1"/>
                 </a:solidFill>
@@ -2115,7 +2138,7 @@
               </a14:hiddenLine>
             </a:ext>
             <a:ext uri="{AF507438-7753-43e0-B8FC-AC1667EBCBE1}">
-              <a14:hiddenEffects xmlns="" xmlns:a14="http://schemas.microsoft.com/office/drawing/2010/main">
+              <a14:hiddenEffects xmlns:a14="http://schemas.microsoft.com/office/drawing/2010/main" xmlns="">
                 <a:effectLst>
                   <a:outerShdw blurRad="63500" dist="38099" dir="2700000" algn="ctr" rotWithShape="0">
                     <a:schemeClr val="bg2">
@@ -2126,7 +2149,7 @@
               </a14:hiddenEffects>
             </a:ext>
             <a:ext uri="{FAA26D3D-D897-4be2-8F04-BA451C77F1D7}">
-              <ma14:placeholderFlag xmlns="" xmlns:ma14="http://schemas.microsoft.com/office/mac/drawingml/2011/main" val="1"/>
+              <ma14:placeholderFlag xmlns:ma14="http://schemas.microsoft.com/office/mac/drawingml/2011/main" xmlns="" val="1"/>
             </a:ext>
           </a:extLst>
         </p:spPr>
@@ -2223,7 +2246,7 @@
           <a:effectLst/>
           <a:extLst>
             <a:ext uri="{AF507438-7753-43e0-B8FC-AC1667EBCBE1}">
-              <a14:hiddenEffects xmlns="" xmlns:a14="http://schemas.microsoft.com/office/drawing/2010/main">
+              <a14:hiddenEffects xmlns:a14="http://schemas.microsoft.com/office/drawing/2010/main" xmlns="">
                 <a:effectLst>
                   <a:outerShdw blurRad="63500" dist="38099" dir="2700000" algn="ctr" rotWithShape="0">
                     <a:srgbClr val="000000">
@@ -2234,7 +2257,7 @@
               </a14:hiddenEffects>
             </a:ext>
             <a:ext uri="{53640926-AAD7-44d8-BBD7-CCE9431645EC}">
-              <a14:shadowObscured xmlns="" xmlns:a14="http://schemas.microsoft.com/office/drawing/2010/main" val="1"/>
+              <a14:shadowObscured xmlns:a14="http://schemas.microsoft.com/office/drawing/2010/main" xmlns="" val="1"/>
             </a:ext>
           </a:extLst>
         </p:spPr>
@@ -2264,14 +2287,14 @@
           <a:effectLst/>
           <a:extLst>
             <a:ext uri="{909E8E84-426E-40dd-AFC4-6F175D3DCCD1}">
-              <a14:hiddenFill xmlns="" xmlns:a14="http://schemas.microsoft.com/office/drawing/2010/main">
+              <a14:hiddenFill xmlns:a14="http://schemas.microsoft.com/office/drawing/2010/main" xmlns="">
                 <a:solidFill>
                   <a:schemeClr val="accent1"/>
                 </a:solidFill>
               </a14:hiddenFill>
             </a:ext>
             <a:ext uri="{91240B29-F687-4f45-9708-019B960494DF}">
-              <a14:hiddenLine xmlns="" xmlns:a14="http://schemas.microsoft.com/office/drawing/2010/main" w="9525">
+              <a14:hiddenLine xmlns:a14="http://schemas.microsoft.com/office/drawing/2010/main" xmlns="" w="9525">
                 <a:solidFill>
                   <a:schemeClr val="tx1"/>
                 </a:solidFill>
@@ -2281,7 +2304,7 @@
               </a14:hiddenLine>
             </a:ext>
             <a:ext uri="{AF507438-7753-43e0-B8FC-AC1667EBCBE1}">
-              <a14:hiddenEffects xmlns="" xmlns:a14="http://schemas.microsoft.com/office/drawing/2010/main">
+              <a14:hiddenEffects xmlns:a14="http://schemas.microsoft.com/office/drawing/2010/main" xmlns="">
                 <a:effectLst>
                   <a:outerShdw blurRad="63500" dist="38099" dir="2700000" algn="ctr" rotWithShape="0">
                     <a:schemeClr val="bg2">
@@ -2292,7 +2315,7 @@
               </a14:hiddenEffects>
             </a:ext>
             <a:ext uri="{FAA26D3D-D897-4be2-8F04-BA451C77F1D7}">
-              <ma14:placeholderFlag xmlns="" xmlns:ma14="http://schemas.microsoft.com/office/mac/drawingml/2011/main" val="1"/>
+              <ma14:placeholderFlag xmlns:ma14="http://schemas.microsoft.com/office/mac/drawingml/2011/main" xmlns="" val="1"/>
             </a:ext>
           </a:extLst>
         </p:spPr>
@@ -2477,7 +2500,7 @@
           <a:ln/>
           <a:extLst>
             <a:ext uri="{FAA26D3D-D897-4be2-8F04-BA451C77F1D7}">
-              <ma14:placeholderFlag xmlns="" xmlns:ma14="http://schemas.microsoft.com/office/mac/drawingml/2011/main" val="1"/>
+              <ma14:placeholderFlag xmlns:ma14="http://schemas.microsoft.com/office/mac/drawingml/2011/main" xmlns="" val="1"/>
             </a:ext>
           </a:extLst>
         </p:spPr>
@@ -2556,29 +2579,7 @@
           <a:bodyPr/>
           <a:lstStyle/>
           <a:p>
-            <a:r>
-              <a:rPr lang="de-DE" dirty="0"/>
-              <a:t>Wir schauen uns zunächst den Begriff „Wettbewerbsvorteil“ an </a:t>
-            </a:r>
-          </a:p>
-          <a:p>
-            <a:r>
-              <a:rPr lang="de-DE" dirty="0"/>
-              <a:t>Dann gehe ich auf die Messbarkeit wirtschaftlicher Vorteile ein</a:t>
-            </a:r>
-          </a:p>
-          <a:p>
-            <a:r>
-              <a:rPr lang="de-DE" dirty="0"/>
-              <a:t>Verdeutliche die unterschiedlichen Sichtweisen der Wettbewerbsvorteile </a:t>
-            </a:r>
-            <a:br>
-              <a:rPr lang="de-DE" dirty="0"/>
-            </a:br>
-            <a:r>
-              <a:rPr lang="de-DE" dirty="0"/>
-              <a:t>Und stelle diese zum Abschluss gegenüber</a:t>
-            </a:r>
+            <a:endParaRPr lang="de-DE" dirty="0"/>
           </a:p>
         </p:txBody>
       </p:sp>
@@ -2959,18 +2960,7 @@
           <a:bodyPr/>
           <a:lstStyle/>
           <a:p>
-            <a:r>
-              <a:rPr lang="de-DE" dirty="0"/>
-              <a:t>Die Nachhaltige Sichtweise ist von den drei Indikatoren </a:t>
-            </a:r>
-            <a:r>
-              <a:rPr lang="de-DE" dirty="0" err="1"/>
-              <a:t>wirtschaft</a:t>
-            </a:r>
-            <a:r>
-              <a:rPr lang="de-DE" dirty="0"/>
-              <a:t>, ökologische und soziale Leistung geprägt</a:t>
-            </a:r>
+            <a:endParaRPr lang="de-DE" dirty="0"/>
           </a:p>
         </p:txBody>
       </p:sp>
@@ -3036,7 +3026,7 @@
           <a:noFill/>
           <a:extLst>
             <a:ext uri="{909E8E84-426E-40dd-AFC4-6F175D3DCCD1}">
-              <a14:hiddenFill xmlns="" xmlns:a14="http://schemas.microsoft.com/office/drawing/2010/main">
+              <a14:hiddenFill xmlns:a14="http://schemas.microsoft.com/office/drawing/2010/main" xmlns="">
                 <a:solidFill>
                   <a:srgbClr val="FFFFFF"/>
                 </a:solidFill>
@@ -3077,7 +3067,7 @@
           <a:noFill/>
           <a:extLst>
             <a:ext uri="{909E8E84-426E-40dd-AFC4-6F175D3DCCD1}">
-              <a14:hiddenFill xmlns="" xmlns:a14="http://schemas.microsoft.com/office/drawing/2010/main">
+              <a14:hiddenFill xmlns:a14="http://schemas.microsoft.com/office/drawing/2010/main" xmlns="">
                 <a:solidFill>
                   <a:srgbClr val="FFFFFF"/>
                 </a:solidFill>
@@ -3099,14 +3089,14 @@
         <p:spPr>
           <a:extLst>
             <a:ext uri="{909E8E84-426E-40dd-AFC4-6F175D3DCCD1}">
-              <a14:hiddenFill xmlns="" xmlns:a14="http://schemas.microsoft.com/office/drawing/2010/main">
+              <a14:hiddenFill xmlns:a14="http://schemas.microsoft.com/office/drawing/2010/main" xmlns="">
                 <a:solidFill>
                   <a:schemeClr val="accent2"/>
                 </a:solidFill>
               </a14:hiddenFill>
             </a:ext>
             <a:ext uri="{91240B29-F687-4f45-9708-019B960494DF}">
-              <a14:hiddenLine xmlns="" xmlns:a14="http://schemas.microsoft.com/office/drawing/2010/main" w="9525">
+              <a14:hiddenLine xmlns:a14="http://schemas.microsoft.com/office/drawing/2010/main" xmlns="" w="9525">
                 <a:solidFill>
                   <a:schemeClr val="accent2"/>
                 </a:solidFill>
@@ -3181,7 +3171,7 @@
             <a:noFill/>
             <a:extLst>
               <a:ext uri="{909E8E84-426E-40dd-AFC4-6F175D3DCCD1}">
-                <a14:hiddenFill xmlns="" xmlns:a14="http://schemas.microsoft.com/office/drawing/2010/main">
+                <a14:hiddenFill xmlns:a14="http://schemas.microsoft.com/office/drawing/2010/main" xmlns="">
                   <a:solidFill>
                     <a:srgbClr val="FFFFFF"/>
                   </a:solidFill>
@@ -3222,7 +3212,7 @@
             <a:noFill/>
             <a:extLst>
               <a:ext uri="{909E8E84-426E-40dd-AFC4-6F175D3DCCD1}">
-                <a14:hiddenFill xmlns="" xmlns:a14="http://schemas.microsoft.com/office/drawing/2010/main">
+                <a14:hiddenFill xmlns:a14="http://schemas.microsoft.com/office/drawing/2010/main" xmlns="">
                   <a:solidFill>
                     <a:srgbClr val="FFFFFF"/>
                   </a:solidFill>
@@ -5025,7 +5015,7 @@
           <a:noFill/>
           <a:extLst>
             <a:ext uri="{909E8E84-426E-40dd-AFC4-6F175D3DCCD1}">
-              <a14:hiddenFill xmlns="" xmlns:a14="http://schemas.microsoft.com/office/drawing/2010/main">
+              <a14:hiddenFill xmlns:a14="http://schemas.microsoft.com/office/drawing/2010/main" xmlns="">
                 <a:solidFill>
                   <a:srgbClr val="FFFFFF"/>
                 </a:solidFill>
@@ -5059,14 +5049,14 @@
           <a:effectLst/>
           <a:extLst>
             <a:ext uri="{909E8E84-426E-40dd-AFC4-6F175D3DCCD1}">
-              <a14:hiddenFill xmlns="" xmlns:a14="http://schemas.microsoft.com/office/drawing/2010/main">
+              <a14:hiddenFill xmlns:a14="http://schemas.microsoft.com/office/drawing/2010/main" xmlns="">
                 <a:solidFill>
                   <a:schemeClr val="accent1"/>
                 </a:solidFill>
               </a14:hiddenFill>
             </a:ext>
             <a:ext uri="{91240B29-F687-4f45-9708-019B960494DF}">
-              <a14:hiddenLine xmlns="" xmlns:a14="http://schemas.microsoft.com/office/drawing/2010/main" w="9525">
+              <a14:hiddenLine xmlns:a14="http://schemas.microsoft.com/office/drawing/2010/main" xmlns="" w="9525">
                 <a:solidFill>
                   <a:schemeClr val="tx1"/>
                 </a:solidFill>
@@ -5076,7 +5066,7 @@
               </a14:hiddenLine>
             </a:ext>
             <a:ext uri="{AF507438-7753-43e0-B8FC-AC1667EBCBE1}">
-              <a14:hiddenEffects xmlns="" xmlns:a14="http://schemas.microsoft.com/office/drawing/2010/main">
+              <a14:hiddenEffects xmlns:a14="http://schemas.microsoft.com/office/drawing/2010/main" xmlns="">
                 <a:effectLst>
                   <a:outerShdw blurRad="63500" dist="38099" dir="2700000" algn="ctr" rotWithShape="0">
                     <a:schemeClr val="bg2">
@@ -5087,7 +5077,7 @@
               </a14:hiddenEffects>
             </a:ext>
             <a:ext uri="{FAA26D3D-D897-4be2-8F04-BA451C77F1D7}">
-              <ma14:placeholderFlag xmlns="" xmlns:ma14="http://schemas.microsoft.com/office/mac/drawingml/2011/main" val="1"/>
+              <ma14:placeholderFlag xmlns:ma14="http://schemas.microsoft.com/office/mac/drawingml/2011/main" xmlns="" val="1"/>
             </a:ext>
           </a:extLst>
         </p:spPr>
@@ -5131,14 +5121,14 @@
           <a:effectLst/>
           <a:extLst>
             <a:ext uri="{909E8E84-426E-40dd-AFC4-6F175D3DCCD1}">
-              <a14:hiddenFill xmlns="" xmlns:a14="http://schemas.microsoft.com/office/drawing/2010/main">
+              <a14:hiddenFill xmlns:a14="http://schemas.microsoft.com/office/drawing/2010/main" xmlns="">
                 <a:solidFill>
                   <a:schemeClr val="accent1"/>
                 </a:solidFill>
               </a14:hiddenFill>
             </a:ext>
             <a:ext uri="{91240B29-F687-4f45-9708-019B960494DF}">
-              <a14:hiddenLine xmlns="" xmlns:a14="http://schemas.microsoft.com/office/drawing/2010/main" w="9525">
+              <a14:hiddenLine xmlns:a14="http://schemas.microsoft.com/office/drawing/2010/main" xmlns="" w="9525">
                 <a:solidFill>
                   <a:schemeClr val="tx1"/>
                 </a:solidFill>
@@ -5148,7 +5138,7 @@
               </a14:hiddenLine>
             </a:ext>
             <a:ext uri="{AF507438-7753-43e0-B8FC-AC1667EBCBE1}">
-              <a14:hiddenEffects xmlns="" xmlns:a14="http://schemas.microsoft.com/office/drawing/2010/main">
+              <a14:hiddenEffects xmlns:a14="http://schemas.microsoft.com/office/drawing/2010/main" xmlns="">
                 <a:effectLst>
                   <a:outerShdw blurRad="63500" dist="38099" dir="2700000" algn="ctr" rotWithShape="0">
                     <a:schemeClr val="bg2">
@@ -5266,7 +5256,7 @@
             <a:noFill/>
             <a:extLst>
               <a:ext uri="{909E8E84-426E-40dd-AFC4-6F175D3DCCD1}">
-                <a14:hiddenFill xmlns="" xmlns:a14="http://schemas.microsoft.com/office/drawing/2010/main">
+                <a14:hiddenFill xmlns:a14="http://schemas.microsoft.com/office/drawing/2010/main" xmlns="">
                   <a:solidFill>
                     <a:srgbClr val="FFFFFF"/>
                   </a:solidFill>
@@ -5307,7 +5297,7 @@
             <a:noFill/>
             <a:extLst>
               <a:ext uri="{909E8E84-426E-40dd-AFC4-6F175D3DCCD1}">
-                <a14:hiddenFill xmlns="" xmlns:a14="http://schemas.microsoft.com/office/drawing/2010/main">
+                <a14:hiddenFill xmlns:a14="http://schemas.microsoft.com/office/drawing/2010/main" xmlns="">
                   <a:solidFill>
                     <a:srgbClr val="FFFFFF"/>
                   </a:solidFill>
@@ -5342,14 +5332,14 @@
           <a:effectLst/>
           <a:extLst>
             <a:ext uri="{909E8E84-426E-40dd-AFC4-6F175D3DCCD1}">
-              <a14:hiddenFill xmlns="" xmlns:a14="http://schemas.microsoft.com/office/drawing/2010/main">
+              <a14:hiddenFill xmlns:a14="http://schemas.microsoft.com/office/drawing/2010/main" xmlns="">
                 <a:solidFill>
                   <a:schemeClr val="accent1"/>
                 </a:solidFill>
               </a14:hiddenFill>
             </a:ext>
             <a:ext uri="{91240B29-F687-4f45-9708-019B960494DF}">
-              <a14:hiddenLine xmlns="" xmlns:a14="http://schemas.microsoft.com/office/drawing/2010/main" w="9525">
+              <a14:hiddenLine xmlns:a14="http://schemas.microsoft.com/office/drawing/2010/main" xmlns="" w="9525">
                 <a:solidFill>
                   <a:schemeClr val="tx1"/>
                 </a:solidFill>
@@ -5359,7 +5349,7 @@
               </a14:hiddenLine>
             </a:ext>
             <a:ext uri="{AF507438-7753-43e0-B8FC-AC1667EBCBE1}">
-              <a14:hiddenEffects xmlns="" xmlns:a14="http://schemas.microsoft.com/office/drawing/2010/main">
+              <a14:hiddenEffects xmlns:a14="http://schemas.microsoft.com/office/drawing/2010/main" xmlns="">
                 <a:effectLst>
                   <a:outerShdw blurRad="63500" dist="38099" dir="2700000" algn="ctr" rotWithShape="0">
                     <a:schemeClr val="bg2">
@@ -5370,7 +5360,7 @@
               </a14:hiddenEffects>
             </a:ext>
             <a:ext uri="{FAA26D3D-D897-4be2-8F04-BA451C77F1D7}">
-              <ma14:placeholderFlag xmlns="" xmlns:ma14="http://schemas.microsoft.com/office/mac/drawingml/2011/main" val="1"/>
+              <ma14:placeholderFlag xmlns:ma14="http://schemas.microsoft.com/office/mac/drawingml/2011/main" xmlns="" val="1"/>
             </a:ext>
           </a:extLst>
         </p:spPr>
@@ -5901,14 +5891,14 @@
           <a:effectLst/>
           <a:extLst>
             <a:ext uri="{909E8E84-426E-40dd-AFC4-6F175D3DCCD1}">
-              <a14:hiddenFill xmlns="" xmlns:a14="http://schemas.microsoft.com/office/drawing/2010/main">
+              <a14:hiddenFill xmlns:a14="http://schemas.microsoft.com/office/drawing/2010/main" xmlns="">
                 <a:solidFill>
                   <a:schemeClr val="accent2"/>
                 </a:solidFill>
               </a14:hiddenFill>
             </a:ext>
             <a:ext uri="{91240B29-F687-4f45-9708-019B960494DF}">
-              <a14:hiddenLine xmlns="" xmlns:a14="http://schemas.microsoft.com/office/drawing/2010/main" w="9525">
+              <a14:hiddenLine xmlns:a14="http://schemas.microsoft.com/office/drawing/2010/main" xmlns="" w="9525">
                 <a:solidFill>
                   <a:schemeClr val="accent2"/>
                 </a:solidFill>
@@ -5918,7 +5908,7 @@
               </a14:hiddenLine>
             </a:ext>
             <a:ext uri="{AF507438-7753-43e0-B8FC-AC1667EBCBE1}">
-              <a14:hiddenEffects xmlns="" xmlns:a14="http://schemas.microsoft.com/office/drawing/2010/main">
+              <a14:hiddenEffects xmlns:a14="http://schemas.microsoft.com/office/drawing/2010/main" xmlns="">
                 <a:effectLst>
                   <a:outerShdw blurRad="63500" dist="38099" dir="2700000" algn="ctr" rotWithShape="0">
                     <a:schemeClr val="bg2">
@@ -8110,14 +8100,14 @@
           <a:effectLst/>
           <a:extLst>
             <a:ext uri="{909E8E84-426E-40dd-AFC4-6F175D3DCCD1}">
-              <a14:hiddenFill xmlns="" xmlns:a14="http://schemas.microsoft.com/office/drawing/2010/main">
+              <a14:hiddenFill xmlns:a14="http://schemas.microsoft.com/office/drawing/2010/main" xmlns="">
                 <a:solidFill>
                   <a:schemeClr val="accent1"/>
                 </a:solidFill>
               </a14:hiddenFill>
             </a:ext>
             <a:ext uri="{91240B29-F687-4f45-9708-019B960494DF}">
-              <a14:hiddenLine xmlns="" xmlns:a14="http://schemas.microsoft.com/office/drawing/2010/main" w="9525">
+              <a14:hiddenLine xmlns:a14="http://schemas.microsoft.com/office/drawing/2010/main" xmlns="" w="9525">
                 <a:solidFill>
                   <a:schemeClr val="tx1"/>
                 </a:solidFill>
@@ -8127,7 +8117,7 @@
               </a14:hiddenLine>
             </a:ext>
             <a:ext uri="{AF507438-7753-43e0-B8FC-AC1667EBCBE1}">
-              <a14:hiddenEffects xmlns="" xmlns:a14="http://schemas.microsoft.com/office/drawing/2010/main">
+              <a14:hiddenEffects xmlns:a14="http://schemas.microsoft.com/office/drawing/2010/main" xmlns="">
                 <a:effectLst>
                   <a:outerShdw blurRad="63500" dist="38099" dir="2700000" algn="ctr" rotWithShape="0">
                     <a:schemeClr val="bg2">
@@ -8138,7 +8128,7 @@
               </a14:hiddenEffects>
             </a:ext>
             <a:ext uri="{FAA26D3D-D897-4be2-8F04-BA451C77F1D7}">
-              <ma14:placeholderFlag xmlns="" xmlns:ma14="http://schemas.microsoft.com/office/mac/drawingml/2011/main" val="1"/>
+              <ma14:placeholderFlag xmlns:ma14="http://schemas.microsoft.com/office/mac/drawingml/2011/main" xmlns="" val="1"/>
             </a:ext>
           </a:extLst>
         </p:spPr>
@@ -10532,14 +10522,14 @@
         <a:effectLst/>
         <a:extLst>
           <a:ext uri="{909E8E84-426E-40dd-AFC4-6F175D3DCCD1}">
-            <a14:hiddenFill xmlns="" xmlns:a14="http://schemas.microsoft.com/office/drawing/2010/main">
+            <a14:hiddenFill xmlns:a14="http://schemas.microsoft.com/office/drawing/2010/main" xmlns="">
               <a:solidFill>
                 <a:schemeClr val="accent2"/>
               </a:solidFill>
             </a14:hiddenFill>
           </a:ext>
           <a:ext uri="{AF507438-7753-43e0-B8FC-AC1667EBCBE1}">
-            <a14:hiddenEffects xmlns="" xmlns:a14="http://schemas.microsoft.com/office/drawing/2010/main">
+            <a14:hiddenEffects xmlns:a14="http://schemas.microsoft.com/office/drawing/2010/main" xmlns="">
               <a:effectLst>
                 <a:outerShdw blurRad="63500" dist="35921" dir="2700000" algn="ctr" rotWithShape="0">
                   <a:schemeClr val="bg2"/>
@@ -10612,14 +10602,14 @@
         <a:effectLst/>
         <a:extLst>
           <a:ext uri="{909E8E84-426E-40dd-AFC4-6F175D3DCCD1}">
-            <a14:hiddenFill xmlns="" xmlns:a14="http://schemas.microsoft.com/office/drawing/2010/main">
+            <a14:hiddenFill xmlns:a14="http://schemas.microsoft.com/office/drawing/2010/main" xmlns="">
               <a:solidFill>
                 <a:schemeClr val="accent2"/>
               </a:solidFill>
             </a14:hiddenFill>
           </a:ext>
           <a:ext uri="{AF507438-7753-43e0-B8FC-AC1667EBCBE1}">
-            <a14:hiddenEffects xmlns="" xmlns:a14="http://schemas.microsoft.com/office/drawing/2010/main">
+            <a14:hiddenEffects xmlns:a14="http://schemas.microsoft.com/office/drawing/2010/main" xmlns="">
               <a:effectLst>
                 <a:outerShdw blurRad="63500" dist="35921" dir="2700000" algn="ctr" rotWithShape="0">
                   <a:schemeClr val="bg2"/>
